--- a/VEDANTKOLSURE_Netflix Data Analysis Project PPT.pptx
+++ b/VEDANTKOLSURE_Netflix Data Analysis Project PPT.pptx
@@ -156,14 +156,6 @@
     </p:ext>
   </p:extLst>
 </p:presentation>
-</file>
-
-<file path=ppt/revisionInfo.xml><?xml version="1.0" encoding="utf-8"?>
-<p1510:revInfo xmlns:a="http://schemas.openxmlformats.org/drawingml/2006/main" xmlns:r="http://schemas.openxmlformats.org/officeDocument/2006/relationships" xmlns:p1510="http://schemas.microsoft.com/office/powerpoint/2015/10/main">
-  <p1510:revLst>
-    <p1510:client id="{01109B11-726B-622E-F1D0-53498C852A02}" v="122" dt="2025-09-25T09:02:38.153"/>
-  </p1510:revLst>
-</p1510:revInfo>
 </file>
 
 <file path=ppt/handoutMasters/handoutMaster1.xml><?xml version="1.0" encoding="utf-8"?>
@@ -23767,7 +23759,10 @@
             <a:pPr marL="0" indent="0">
               <a:buNone/>
             </a:pPr>
-            <a:endParaRPr lang="en-US" dirty="0"/>
+            <a:r>
+              <a:rPr lang="en-US" dirty="0"/>
+              <a:t>https://github.com/Vedant-K007/-VOIS_AICTE_Oct2025_MajorProjectNetflix_VEDANT-KOLSURE.git</a:t>
+            </a:r>
           </a:p>
         </p:txBody>
       </p:sp>
@@ -24005,15 +24000,10 @@
                             </p:stCondLst>
                             <p:childTnLst>
                               <p:par>
-                                <p:cTn id="19" presetID="42" presetClass="entr" presetSubtype="0" fill="hold" grpId="0" nodeType="clickEffect" nodePh="1">
+                                <p:cTn id="19" presetID="42" presetClass="entr" presetSubtype="0" fill="hold" grpId="0" nodeType="clickEffect">
                                   <p:stCondLst>
                                     <p:cond delay="0"/>
                                   </p:stCondLst>
-                                  <p:endCondLst>
-                                    <p:cond evt="begin" delay="0">
-                                      <p:tn val="19"/>
-                                    </p:cond>
-                                  </p:endCondLst>
                                   <p:childTnLst>
                                     <p:set>
                                       <p:cBhvr>
